--- a/benson-eway.pptx
+++ b/benson-eway.pptx
@@ -8,7 +8,9 @@
     <p:sldId id="256" r:id="rId2"/>
     <p:sldId id="257" r:id="rId3"/>
     <p:sldId id="258" r:id="rId4"/>
-    <p:sldId id="259" r:id="rId5"/>
+    <p:sldId id="261" r:id="rId5"/>
+    <p:sldId id="260" r:id="rId6"/>
+    <p:sldId id="259" r:id="rId7"/>
   </p:sldIdLst>
   <p:sldSz cx="9144000" cy="6858000" type="screen4x3"/>
   <p:notesSz cx="6858000" cy="9144000"/>
@@ -4922,7 +4924,7 @@
             <a:pPr algn="ctr"/>
             <a:r>
               <a:rPr lang="en-US" sz="4800" dirty="0" smtClean="0"/>
-              <a:t>What if were possible to optimize advertising revenue down to the minute with no work for the MTA? </a:t>
+              <a:t>What if it were possible to optimize advertising revenue with no work for the MTA? </a:t>
             </a:r>
             <a:endParaRPr lang="en-US" sz="4800" dirty="0"/>
           </a:p>
@@ -4938,6 +4940,9 @@
   <p:clrMapOvr>
     <a:masterClrMapping/>
   </p:clrMapOvr>
+  <p:transition xmlns:p14="http://schemas.microsoft.com/office/powerpoint/2010/main" spd="slow">
+    <p:wipe/>
+  </p:transition>
 </p:sld>
 </file>
 
@@ -4975,7 +4980,7 @@
           <a:p>
             <a:r>
               <a:rPr lang="en-US" dirty="0" smtClean="0"/>
-              <a:t>Our model does just that</a:t>
+              <a:t>Our Model does just that</a:t>
             </a:r>
             <a:endParaRPr lang="en-US" dirty="0"/>
           </a:p>
@@ -4997,20 +5002,6 @@
             <a:normAutofit/>
           </a:bodyPr>
           <a:lstStyle/>
-          <a:p>
-            <a:r>
-              <a:rPr lang="en-US" sz="1800" dirty="0" smtClean="0">
-                <a:solidFill>
-                  <a:schemeClr val="accent3"/>
-                </a:solidFill>
-              </a:rPr>
-              <a:t>○</a:t>
-            </a:r>
-            <a:r>
-              <a:rPr lang="en-US" sz="1800" dirty="0" smtClean="0"/>
-              <a:t> Advertisers visit our internet portal and answer criteria from dropdown menus that determines how much they are willing to pay for ad space.</a:t>
-            </a:r>
-          </a:p>
           <a:p>
             <a:endParaRPr lang="en-US" sz="1800" dirty="0" smtClean="0"/>
           </a:p>
@@ -5062,6 +5053,205 @@
 </file>
 
 <file path=ppt/slides/slide4.xml><?xml version="1.0" encoding="utf-8"?>
+<p:sld xmlns:a="http://schemas.openxmlformats.org/drawingml/2006/main" xmlns:r="http://schemas.openxmlformats.org/officeDocument/2006/relationships" xmlns:p="http://schemas.openxmlformats.org/presentationml/2006/main">
+  <p:cSld>
+    <p:spTree>
+      <p:nvGrpSpPr>
+        <p:cNvPr id="1" name=""/>
+        <p:cNvGrpSpPr/>
+        <p:nvPr/>
+      </p:nvGrpSpPr>
+      <p:grpSpPr>
+        <a:xfrm>
+          <a:off x="0" y="0"/>
+          <a:ext cx="0" cy="0"/>
+          <a:chOff x="0" y="0"/>
+          <a:chExt cx="0" cy="0"/>
+        </a:xfrm>
+      </p:grpSpPr>
+      <p:sp>
+        <p:nvSpPr>
+          <p:cNvPr id="2" name="Title 1"/>
+          <p:cNvSpPr>
+            <a:spLocks noGrp="1"/>
+          </p:cNvSpPr>
+          <p:nvPr>
+            <p:ph type="title"/>
+          </p:nvPr>
+        </p:nvSpPr>
+        <p:spPr/>
+        <p:txBody>
+          <a:bodyPr/>
+          <a:lstStyle/>
+          <a:p>
+            <a:r>
+              <a:rPr lang="en-US" dirty="0" smtClean="0"/>
+              <a:t>Our Model does just that</a:t>
+            </a:r>
+            <a:endParaRPr lang="en-US" dirty="0"/>
+          </a:p>
+        </p:txBody>
+      </p:sp>
+      <p:sp>
+        <p:nvSpPr>
+          <p:cNvPr id="3" name="Content Placeholder 2"/>
+          <p:cNvSpPr>
+            <a:spLocks noGrp="1"/>
+          </p:cNvSpPr>
+          <p:nvPr>
+            <p:ph idx="1"/>
+          </p:nvPr>
+        </p:nvSpPr>
+        <p:spPr/>
+        <p:txBody>
+          <a:bodyPr>
+            <a:normAutofit/>
+          </a:bodyPr>
+          <a:lstStyle/>
+          <a:p>
+            <a:endParaRPr lang="en-US" sz="1800" dirty="0" smtClean="0"/>
+          </a:p>
+          <a:p>
+            <a:r>
+              <a:rPr lang="en-US" sz="1800" dirty="0" smtClean="0">
+                <a:solidFill>
+                  <a:srgbClr val="08A1D9"/>
+                </a:solidFill>
+              </a:rPr>
+              <a:t>○ Analysis Driven by MTA Turnstile Data:</a:t>
+            </a:r>
+          </a:p>
+          <a:p>
+            <a:pPr>
+              <a:buFontTx/>
+              <a:buChar char="-"/>
+            </a:pPr>
+            <a:r>
+              <a:rPr lang="en-US" sz="1800" dirty="0" smtClean="0">
+                <a:solidFill>
+                  <a:srgbClr val="08A1D9"/>
+                </a:solidFill>
+              </a:rPr>
+              <a:t>Looked at passenger traffic over time (hours, days, months, by season)</a:t>
+            </a:r>
+          </a:p>
+          <a:p>
+            <a:pPr>
+              <a:buFontTx/>
+              <a:buChar char="-"/>
+            </a:pPr>
+            <a:r>
+              <a:rPr lang="en-US" sz="1800" dirty="0" smtClean="0">
+                <a:solidFill>
+                  <a:srgbClr val="08A1D9"/>
+                </a:solidFill>
+              </a:rPr>
+              <a:t>Extracted insights around “hotspot” stations</a:t>
+            </a:r>
+          </a:p>
+          <a:p>
+            <a:pPr>
+              <a:buFontTx/>
+              <a:buChar char="-"/>
+            </a:pPr>
+            <a:r>
+              <a:rPr lang="en-US" sz="1800" dirty="0" smtClean="0">
+                <a:solidFill>
+                  <a:srgbClr val="08A1D9"/>
+                </a:solidFill>
+              </a:rPr>
+              <a:t>Ad Exchange pricing is driven by traffic in these hotspots</a:t>
+            </a:r>
+            <a:endParaRPr lang="en-US" sz="1800" dirty="0" smtClean="0"/>
+          </a:p>
+        </p:txBody>
+      </p:sp>
+    </p:spTree>
+    <p:extLst>
+      <p:ext uri="{BB962C8B-B14F-4D97-AF65-F5344CB8AC3E}">
+        <p14:creationId xmlns:p14="http://schemas.microsoft.com/office/powerpoint/2010/main" val="2748279111"/>
+      </p:ext>
+    </p:extLst>
+  </p:cSld>
+  <p:clrMapOvr>
+    <a:masterClrMapping/>
+  </p:clrMapOvr>
+</p:sld>
+</file>
+
+<file path=ppt/slides/slide5.xml><?xml version="1.0" encoding="utf-8"?>
+<p:sld xmlns:a="http://schemas.openxmlformats.org/drawingml/2006/main" xmlns:r="http://schemas.openxmlformats.org/officeDocument/2006/relationships" xmlns:p="http://schemas.openxmlformats.org/presentationml/2006/main">
+  <p:cSld>
+    <p:spTree>
+      <p:nvGrpSpPr>
+        <p:cNvPr id="1" name=""/>
+        <p:cNvGrpSpPr/>
+        <p:nvPr/>
+      </p:nvGrpSpPr>
+      <p:grpSpPr>
+        <a:xfrm>
+          <a:off x="0" y="0"/>
+          <a:ext cx="0" cy="0"/>
+          <a:chOff x="0" y="0"/>
+          <a:chExt cx="0" cy="0"/>
+        </a:xfrm>
+      </p:grpSpPr>
+      <p:sp>
+        <p:nvSpPr>
+          <p:cNvPr id="2" name="Title 1"/>
+          <p:cNvSpPr>
+            <a:spLocks noGrp="1"/>
+          </p:cNvSpPr>
+          <p:nvPr>
+            <p:ph type="title"/>
+          </p:nvPr>
+        </p:nvSpPr>
+        <p:spPr/>
+        <p:txBody>
+          <a:bodyPr/>
+          <a:lstStyle/>
+          <a:p>
+            <a:r>
+              <a:rPr lang="en-US" dirty="0" smtClean="0"/>
+              <a:t>Dope graph slide</a:t>
+            </a:r>
+            <a:endParaRPr lang="en-US" dirty="0"/>
+          </a:p>
+        </p:txBody>
+      </p:sp>
+      <p:sp>
+        <p:nvSpPr>
+          <p:cNvPr id="3" name="Content Placeholder 2"/>
+          <p:cNvSpPr>
+            <a:spLocks noGrp="1"/>
+          </p:cNvSpPr>
+          <p:nvPr>
+            <p:ph idx="1"/>
+          </p:nvPr>
+        </p:nvSpPr>
+        <p:spPr/>
+        <p:txBody>
+          <a:bodyPr/>
+          <a:lstStyle/>
+          <a:p>
+            <a:endParaRPr lang="en-US"/>
+          </a:p>
+        </p:txBody>
+      </p:sp>
+    </p:spTree>
+    <p:extLst>
+      <p:ext uri="{BB962C8B-B14F-4D97-AF65-F5344CB8AC3E}">
+        <p14:creationId xmlns:p14="http://schemas.microsoft.com/office/powerpoint/2010/main" val="2113020811"/>
+      </p:ext>
+    </p:extLst>
+  </p:cSld>
+  <p:clrMapOvr>
+    <a:masterClrMapping/>
+  </p:clrMapOvr>
+</p:sld>
+</file>
+
+<file path=ppt/slides/slide6.xml><?xml version="1.0" encoding="utf-8"?>
 <p:sld xmlns:a="http://schemas.openxmlformats.org/drawingml/2006/main" xmlns:r="http://schemas.openxmlformats.org/officeDocument/2006/relationships" xmlns:p="http://schemas.openxmlformats.org/presentationml/2006/main">
   <p:cSld>
     <p:spTree>
